--- a/Instrumentation of Java App using OTel.pptx
+++ b/Instrumentation of Java App using OTel.pptx
@@ -166,7 +166,7 @@
           <p:cNvPr id="2" name="Header Placeholder 1">
             <a:extLst>
               <a:ext uri="{FF2B5EF4-FFF2-40B4-BE49-F238E27FC236}">
-                <a16:creationId xmlns:a16="http://schemas.microsoft.com/office/drawing/2014/main" xmlns="" id="{CA2E547D-1406-4A6F-8F93-E441204CE6E7}"/>
+                <a16:creationId xmlns="" xmlns:a16="http://schemas.microsoft.com/office/drawing/2014/main" id="{CA2E547D-1406-4A6F-8F93-E441204CE6E7}"/>
               </a:ext>
             </a:extLst>
           </p:cNvPr>
@@ -203,7 +203,7 @@
           <p:cNvPr id="3" name="Date Placeholder 2">
             <a:extLst>
               <a:ext uri="{FF2B5EF4-FFF2-40B4-BE49-F238E27FC236}">
-                <a16:creationId xmlns:a16="http://schemas.microsoft.com/office/drawing/2014/main" xmlns="" id="{76667F8A-B889-49B3-AC77-5DDF11A08AFE}"/>
+                <a16:creationId xmlns="" xmlns:a16="http://schemas.microsoft.com/office/drawing/2014/main" id="{76667F8A-B889-49B3-AC77-5DDF11A08AFE}"/>
               </a:ext>
             </a:extLst>
           </p:cNvPr>
@@ -233,7 +233,7 @@
           <a:p>
             <a:fld id="{73B2889B-A0AC-4482-8592-5C96F2309420}" type="datetimeFigureOut">
               <a:rPr lang="en-US" smtClean="0"/>
-              <a:t>6/14/2023</a:t>
+              <a:t>9/12/2023</a:t>
             </a:fld>
             <a:endParaRPr lang="en-US"/>
           </a:p>
@@ -244,7 +244,7 @@
           <p:cNvPr id="4" name="Footer Placeholder 3">
             <a:extLst>
               <a:ext uri="{FF2B5EF4-FFF2-40B4-BE49-F238E27FC236}">
-                <a16:creationId xmlns:a16="http://schemas.microsoft.com/office/drawing/2014/main" xmlns="" id="{567AFD4F-C0E7-421C-AF77-6F9CC963C9C8}"/>
+                <a16:creationId xmlns="" xmlns:a16="http://schemas.microsoft.com/office/drawing/2014/main" id="{567AFD4F-C0E7-421C-AF77-6F9CC963C9C8}"/>
               </a:ext>
             </a:extLst>
           </p:cNvPr>
@@ -281,7 +281,7 @@
           <p:cNvPr id="5" name="Slide Number Placeholder 4">
             <a:extLst>
               <a:ext uri="{FF2B5EF4-FFF2-40B4-BE49-F238E27FC236}">
-                <a16:creationId xmlns:a16="http://schemas.microsoft.com/office/drawing/2014/main" xmlns="" id="{1074AB9F-6726-4FB1-8769-82E23336CEBC}"/>
+                <a16:creationId xmlns="" xmlns:a16="http://schemas.microsoft.com/office/drawing/2014/main" id="{1074AB9F-6726-4FB1-8769-82E23336CEBC}"/>
               </a:ext>
             </a:extLst>
           </p:cNvPr>
@@ -410,7 +410,7 @@
           <a:p>
             <a:fld id="{830EB223-FFC0-462A-A3B8-EAA7CE0F8CBD}" type="datetimeFigureOut">
               <a:rPr lang="en-US" smtClean="0"/>
-              <a:t>6/14/2023</a:t>
+              <a:t>9/12/2023</a:t>
             </a:fld>
             <a:endParaRPr lang="en-US" dirty="0"/>
           </a:p>
@@ -1707,7 +1707,7 @@
           <p:cNvPr id="2" name="Title 1">
             <a:extLst>
               <a:ext uri="{FF2B5EF4-FFF2-40B4-BE49-F238E27FC236}">
-                <a16:creationId xmlns:a16="http://schemas.microsoft.com/office/drawing/2014/main" xmlns="" id="{8E9718B7-7F68-4CC9-8291-332587FA31D3}"/>
+                <a16:creationId xmlns="" xmlns:a16="http://schemas.microsoft.com/office/drawing/2014/main" id="{8E9718B7-7F68-4CC9-8291-332587FA31D3}"/>
               </a:ext>
             </a:extLst>
           </p:cNvPr>
@@ -1745,7 +1745,7 @@
           <p:cNvPr id="3" name="Subtitle 2">
             <a:extLst>
               <a:ext uri="{FF2B5EF4-FFF2-40B4-BE49-F238E27FC236}">
-                <a16:creationId xmlns:a16="http://schemas.microsoft.com/office/drawing/2014/main" xmlns="" id="{A181D6BB-0446-49E8-8677-EADF274E952F}"/>
+                <a16:creationId xmlns="" xmlns:a16="http://schemas.microsoft.com/office/drawing/2014/main" id="{A181D6BB-0446-49E8-8677-EADF274E952F}"/>
               </a:ext>
             </a:extLst>
           </p:cNvPr>
@@ -1816,7 +1816,7 @@
           <p:cNvPr id="4" name="Date Placeholder 3">
             <a:extLst>
               <a:ext uri="{FF2B5EF4-FFF2-40B4-BE49-F238E27FC236}">
-                <a16:creationId xmlns:a16="http://schemas.microsoft.com/office/drawing/2014/main" xmlns="" id="{535AEE24-534A-40F1-99E4-00B7D5FD9124}"/>
+                <a16:creationId xmlns="" xmlns:a16="http://schemas.microsoft.com/office/drawing/2014/main" id="{535AEE24-534A-40F1-99E4-00B7D5FD9124}"/>
               </a:ext>
             </a:extLst>
           </p:cNvPr>
@@ -1834,7 +1834,7 @@
           <a:p>
             <a:fld id="{DECF21A4-E71B-4D3A-AF45-E989C23A7BB1}" type="datetimeFigureOut">
               <a:rPr lang="en-US" smtClean="0"/>
-              <a:t>6/14/2023</a:t>
+              <a:t>9/12/2023</a:t>
             </a:fld>
             <a:endParaRPr lang="en-US" dirty="0"/>
           </a:p>
@@ -1845,7 +1845,7 @@
           <p:cNvPr id="5" name="Footer Placeholder 4">
             <a:extLst>
               <a:ext uri="{FF2B5EF4-FFF2-40B4-BE49-F238E27FC236}">
-                <a16:creationId xmlns:a16="http://schemas.microsoft.com/office/drawing/2014/main" xmlns="" id="{CD594011-48FF-493D-8286-F62D34552531}"/>
+                <a16:creationId xmlns="" xmlns:a16="http://schemas.microsoft.com/office/drawing/2014/main" id="{CD594011-48FF-493D-8286-F62D34552531}"/>
               </a:ext>
             </a:extLst>
           </p:cNvPr>
@@ -1870,7 +1870,7 @@
           <p:cNvPr id="6" name="Slide Number Placeholder 5">
             <a:extLst>
               <a:ext uri="{FF2B5EF4-FFF2-40B4-BE49-F238E27FC236}">
-                <a16:creationId xmlns:a16="http://schemas.microsoft.com/office/drawing/2014/main" xmlns="" id="{4880EFCD-7E72-4882-86DC-2F371D7D9516}"/>
+                <a16:creationId xmlns="" xmlns:a16="http://schemas.microsoft.com/office/drawing/2014/main" id="{4880EFCD-7E72-4882-86DC-2F371D7D9516}"/>
               </a:ext>
             </a:extLst>
           </p:cNvPr>
@@ -1936,7 +1936,7 @@
           <p:cNvPr id="2" name="Title 1">
             <a:extLst>
               <a:ext uri="{FF2B5EF4-FFF2-40B4-BE49-F238E27FC236}">
-                <a16:creationId xmlns:a16="http://schemas.microsoft.com/office/drawing/2014/main" xmlns="" id="{C4A47D73-EDDA-49A6-BA12-1CA980DA9BC0}"/>
+                <a16:creationId xmlns="" xmlns:a16="http://schemas.microsoft.com/office/drawing/2014/main" id="{C4A47D73-EDDA-49A6-BA12-1CA980DA9BC0}"/>
               </a:ext>
             </a:extLst>
           </p:cNvPr>
@@ -1965,7 +1965,7 @@
           <p:cNvPr id="3" name="Vertical Text Placeholder 2">
             <a:extLst>
               <a:ext uri="{FF2B5EF4-FFF2-40B4-BE49-F238E27FC236}">
-                <a16:creationId xmlns:a16="http://schemas.microsoft.com/office/drawing/2014/main" xmlns="" id="{2189B82E-4CA1-47A5-B133-FBD4D8A83983}"/>
+                <a16:creationId xmlns="" xmlns:a16="http://schemas.microsoft.com/office/drawing/2014/main" id="{2189B82E-4CA1-47A5-B133-FBD4D8A83983}"/>
               </a:ext>
             </a:extLst>
           </p:cNvPr>
@@ -2023,7 +2023,7 @@
           <p:cNvPr id="4" name="Date Placeholder 3">
             <a:extLst>
               <a:ext uri="{FF2B5EF4-FFF2-40B4-BE49-F238E27FC236}">
-                <a16:creationId xmlns:a16="http://schemas.microsoft.com/office/drawing/2014/main" xmlns="" id="{938A267F-D142-4D04-9F03-6CB099E6FA32}"/>
+                <a16:creationId xmlns="" xmlns:a16="http://schemas.microsoft.com/office/drawing/2014/main" id="{938A267F-D142-4D04-9F03-6CB099E6FA32}"/>
               </a:ext>
             </a:extLst>
           </p:cNvPr>
@@ -2041,7 +2041,7 @@
           <a:p>
             <a:fld id="{DECF21A4-E71B-4D3A-AF45-E989C23A7BB1}" type="datetimeFigureOut">
               <a:rPr lang="en-US" smtClean="0"/>
-              <a:t>6/14/2023</a:t>
+              <a:t>9/12/2023</a:t>
             </a:fld>
             <a:endParaRPr lang="en-US" dirty="0"/>
           </a:p>
@@ -2052,7 +2052,7 @@
           <p:cNvPr id="5" name="Footer Placeholder 4">
             <a:extLst>
               <a:ext uri="{FF2B5EF4-FFF2-40B4-BE49-F238E27FC236}">
-                <a16:creationId xmlns:a16="http://schemas.microsoft.com/office/drawing/2014/main" xmlns="" id="{705127CA-154D-4E90-B776-A2EE71F78D2E}"/>
+                <a16:creationId xmlns="" xmlns:a16="http://schemas.microsoft.com/office/drawing/2014/main" id="{705127CA-154D-4E90-B776-A2EE71F78D2E}"/>
               </a:ext>
             </a:extLst>
           </p:cNvPr>
@@ -2077,7 +2077,7 @@
           <p:cNvPr id="6" name="Slide Number Placeholder 5">
             <a:extLst>
               <a:ext uri="{FF2B5EF4-FFF2-40B4-BE49-F238E27FC236}">
-                <a16:creationId xmlns:a16="http://schemas.microsoft.com/office/drawing/2014/main" xmlns="" id="{ED5F0BA5-F4EE-4282-B111-76B869BE267D}"/>
+                <a16:creationId xmlns="" xmlns:a16="http://schemas.microsoft.com/office/drawing/2014/main" id="{ED5F0BA5-F4EE-4282-B111-76B869BE267D}"/>
               </a:ext>
             </a:extLst>
           </p:cNvPr>
@@ -2136,7 +2136,7 @@
           <p:cNvPr id="2" name="Vertical Title 1">
             <a:extLst>
               <a:ext uri="{FF2B5EF4-FFF2-40B4-BE49-F238E27FC236}">
-                <a16:creationId xmlns:a16="http://schemas.microsoft.com/office/drawing/2014/main" xmlns="" id="{0256E92A-52E0-4710-BDEF-0A1534685403}"/>
+                <a16:creationId xmlns="" xmlns:a16="http://schemas.microsoft.com/office/drawing/2014/main" id="{0256E92A-52E0-4710-BDEF-0A1534685403}"/>
               </a:ext>
             </a:extLst>
           </p:cNvPr>
@@ -2170,7 +2170,7 @@
           <p:cNvPr id="3" name="Vertical Text Placeholder 2">
             <a:extLst>
               <a:ext uri="{FF2B5EF4-FFF2-40B4-BE49-F238E27FC236}">
-                <a16:creationId xmlns:a16="http://schemas.microsoft.com/office/drawing/2014/main" xmlns="" id="{B7A240E1-5EB0-47FD-AA37-BF945D136CC3}"/>
+                <a16:creationId xmlns="" xmlns:a16="http://schemas.microsoft.com/office/drawing/2014/main" id="{B7A240E1-5EB0-47FD-AA37-BF945D136CC3}"/>
               </a:ext>
             </a:extLst>
           </p:cNvPr>
@@ -2233,7 +2233,7 @@
           <p:cNvPr id="4" name="Date Placeholder 3">
             <a:extLst>
               <a:ext uri="{FF2B5EF4-FFF2-40B4-BE49-F238E27FC236}">
-                <a16:creationId xmlns:a16="http://schemas.microsoft.com/office/drawing/2014/main" xmlns="" id="{A1A14243-F1E4-487A-ABEC-30516A01DF2B}"/>
+                <a16:creationId xmlns="" xmlns:a16="http://schemas.microsoft.com/office/drawing/2014/main" id="{A1A14243-F1E4-487A-ABEC-30516A01DF2B}"/>
               </a:ext>
             </a:extLst>
           </p:cNvPr>
@@ -2251,7 +2251,7 @@
           <a:p>
             <a:fld id="{DECF21A4-E71B-4D3A-AF45-E989C23A7BB1}" type="datetimeFigureOut">
               <a:rPr lang="en-US" smtClean="0"/>
-              <a:t>6/14/2023</a:t>
+              <a:t>9/12/2023</a:t>
             </a:fld>
             <a:endParaRPr lang="en-US" dirty="0"/>
           </a:p>
@@ -2262,7 +2262,7 @@
           <p:cNvPr id="5" name="Footer Placeholder 4">
             <a:extLst>
               <a:ext uri="{FF2B5EF4-FFF2-40B4-BE49-F238E27FC236}">
-                <a16:creationId xmlns:a16="http://schemas.microsoft.com/office/drawing/2014/main" xmlns="" id="{AC358244-98FD-472D-AB8C-075F71C10BF7}"/>
+                <a16:creationId xmlns="" xmlns:a16="http://schemas.microsoft.com/office/drawing/2014/main" id="{AC358244-98FD-472D-AB8C-075F71C10BF7}"/>
               </a:ext>
             </a:extLst>
           </p:cNvPr>
@@ -2287,7 +2287,7 @@
           <p:cNvPr id="6" name="Slide Number Placeholder 5">
             <a:extLst>
               <a:ext uri="{FF2B5EF4-FFF2-40B4-BE49-F238E27FC236}">
-                <a16:creationId xmlns:a16="http://schemas.microsoft.com/office/drawing/2014/main" xmlns="" id="{74998D5A-820D-4519-967F-33320971CBAB}"/>
+                <a16:creationId xmlns="" xmlns:a16="http://schemas.microsoft.com/office/drawing/2014/main" id="{74998D5A-820D-4519-967F-33320971CBAB}"/>
               </a:ext>
             </a:extLst>
           </p:cNvPr>
@@ -2346,7 +2346,7 @@
           <p:cNvPr id="2" name="Title 1">
             <a:extLst>
               <a:ext uri="{FF2B5EF4-FFF2-40B4-BE49-F238E27FC236}">
-                <a16:creationId xmlns:a16="http://schemas.microsoft.com/office/drawing/2014/main" xmlns="" id="{C86334F3-0709-471B-A734-C4B404F55B8E}"/>
+                <a16:creationId xmlns="" xmlns:a16="http://schemas.microsoft.com/office/drawing/2014/main" id="{C86334F3-0709-471B-A734-C4B404F55B8E}"/>
               </a:ext>
             </a:extLst>
           </p:cNvPr>
@@ -2375,7 +2375,7 @@
           <p:cNvPr id="3" name="Content Placeholder 2">
             <a:extLst>
               <a:ext uri="{FF2B5EF4-FFF2-40B4-BE49-F238E27FC236}">
-                <a16:creationId xmlns:a16="http://schemas.microsoft.com/office/drawing/2014/main" xmlns="" id="{AF795016-AF78-4708-9C5F-21110C197B03}"/>
+                <a16:creationId xmlns="" xmlns:a16="http://schemas.microsoft.com/office/drawing/2014/main" id="{AF795016-AF78-4708-9C5F-21110C197B03}"/>
               </a:ext>
             </a:extLst>
           </p:cNvPr>
@@ -2433,7 +2433,7 @@
           <p:cNvPr id="4" name="Date Placeholder 3">
             <a:extLst>
               <a:ext uri="{FF2B5EF4-FFF2-40B4-BE49-F238E27FC236}">
-                <a16:creationId xmlns:a16="http://schemas.microsoft.com/office/drawing/2014/main" xmlns="" id="{2AAEA2D1-B124-4454-AFDC-EA60A14BA121}"/>
+                <a16:creationId xmlns="" xmlns:a16="http://schemas.microsoft.com/office/drawing/2014/main" id="{2AAEA2D1-B124-4454-AFDC-EA60A14BA121}"/>
               </a:ext>
             </a:extLst>
           </p:cNvPr>
@@ -2451,7 +2451,7 @@
           <a:p>
             <a:fld id="{DECF21A4-E71B-4D3A-AF45-E989C23A7BB1}" type="datetimeFigureOut">
               <a:rPr lang="en-US" smtClean="0"/>
-              <a:t>6/14/2023</a:t>
+              <a:t>9/12/2023</a:t>
             </a:fld>
             <a:endParaRPr lang="en-US" dirty="0"/>
           </a:p>
@@ -2462,7 +2462,7 @@
           <p:cNvPr id="5" name="Footer Placeholder 4">
             <a:extLst>
               <a:ext uri="{FF2B5EF4-FFF2-40B4-BE49-F238E27FC236}">
-                <a16:creationId xmlns:a16="http://schemas.microsoft.com/office/drawing/2014/main" xmlns="" id="{B4F58000-F9D7-4A53-A6C5-E5E8154226B4}"/>
+                <a16:creationId xmlns="" xmlns:a16="http://schemas.microsoft.com/office/drawing/2014/main" id="{B4F58000-F9D7-4A53-A6C5-E5E8154226B4}"/>
               </a:ext>
             </a:extLst>
           </p:cNvPr>
@@ -2487,7 +2487,7 @@
           <p:cNvPr id="6" name="Slide Number Placeholder 5">
             <a:extLst>
               <a:ext uri="{FF2B5EF4-FFF2-40B4-BE49-F238E27FC236}">
-                <a16:creationId xmlns:a16="http://schemas.microsoft.com/office/drawing/2014/main" xmlns="" id="{70D22AAD-0D08-4F47-8D5A-EFE29017E8DD}"/>
+                <a16:creationId xmlns="" xmlns:a16="http://schemas.microsoft.com/office/drawing/2014/main" id="{70D22AAD-0D08-4F47-8D5A-EFE29017E8DD}"/>
               </a:ext>
             </a:extLst>
           </p:cNvPr>
@@ -2553,7 +2553,7 @@
           <p:cNvPr id="2" name="Title 1">
             <a:extLst>
               <a:ext uri="{FF2B5EF4-FFF2-40B4-BE49-F238E27FC236}">
-                <a16:creationId xmlns:a16="http://schemas.microsoft.com/office/drawing/2014/main" xmlns="" id="{39036159-1280-4EE9-96D3-A56BD5826612}"/>
+                <a16:creationId xmlns="" xmlns:a16="http://schemas.microsoft.com/office/drawing/2014/main" id="{39036159-1280-4EE9-96D3-A56BD5826612}"/>
               </a:ext>
             </a:extLst>
           </p:cNvPr>
@@ -2591,7 +2591,7 @@
           <p:cNvPr id="3" name="Text Placeholder 2">
             <a:extLst>
               <a:ext uri="{FF2B5EF4-FFF2-40B4-BE49-F238E27FC236}">
-                <a16:creationId xmlns:a16="http://schemas.microsoft.com/office/drawing/2014/main" xmlns="" id="{3BA27A78-1874-488A-B215-7D763D338186}"/>
+                <a16:creationId xmlns="" xmlns:a16="http://schemas.microsoft.com/office/drawing/2014/main" id="{3BA27A78-1874-488A-B215-7D763D338186}"/>
               </a:ext>
             </a:extLst>
           </p:cNvPr>
@@ -2716,7 +2716,7 @@
           <p:cNvPr id="4" name="Date Placeholder 3">
             <a:extLst>
               <a:ext uri="{FF2B5EF4-FFF2-40B4-BE49-F238E27FC236}">
-                <a16:creationId xmlns:a16="http://schemas.microsoft.com/office/drawing/2014/main" xmlns="" id="{084BB3D1-3138-4B69-BF5D-4B1A213451CA}"/>
+                <a16:creationId xmlns="" xmlns:a16="http://schemas.microsoft.com/office/drawing/2014/main" id="{084BB3D1-3138-4B69-BF5D-4B1A213451CA}"/>
               </a:ext>
             </a:extLst>
           </p:cNvPr>
@@ -2734,7 +2734,7 @@
           <a:p>
             <a:fld id="{DECF21A4-E71B-4D3A-AF45-E989C23A7BB1}" type="datetimeFigureOut">
               <a:rPr lang="en-US" smtClean="0"/>
-              <a:t>6/14/2023</a:t>
+              <a:t>9/12/2023</a:t>
             </a:fld>
             <a:endParaRPr lang="en-US" dirty="0"/>
           </a:p>
@@ -2745,7 +2745,7 @@
           <p:cNvPr id="5" name="Footer Placeholder 4">
             <a:extLst>
               <a:ext uri="{FF2B5EF4-FFF2-40B4-BE49-F238E27FC236}">
-                <a16:creationId xmlns:a16="http://schemas.microsoft.com/office/drawing/2014/main" xmlns="" id="{0EFF90C5-31F4-4A22-AC00-3FB5ED291B28}"/>
+                <a16:creationId xmlns="" xmlns:a16="http://schemas.microsoft.com/office/drawing/2014/main" id="{0EFF90C5-31F4-4A22-AC00-3FB5ED291B28}"/>
               </a:ext>
             </a:extLst>
           </p:cNvPr>
@@ -2770,7 +2770,7 @@
           <p:cNvPr id="6" name="Slide Number Placeholder 5">
             <a:extLst>
               <a:ext uri="{FF2B5EF4-FFF2-40B4-BE49-F238E27FC236}">
-                <a16:creationId xmlns:a16="http://schemas.microsoft.com/office/drawing/2014/main" xmlns="" id="{951F787E-B946-4091-ABC6-F9DB06BBEE34}"/>
+                <a16:creationId xmlns="" xmlns:a16="http://schemas.microsoft.com/office/drawing/2014/main" id="{951F787E-B946-4091-ABC6-F9DB06BBEE34}"/>
               </a:ext>
             </a:extLst>
           </p:cNvPr>
@@ -2829,7 +2829,7 @@
           <p:cNvPr id="2" name="Title 1">
             <a:extLst>
               <a:ext uri="{FF2B5EF4-FFF2-40B4-BE49-F238E27FC236}">
-                <a16:creationId xmlns:a16="http://schemas.microsoft.com/office/drawing/2014/main" xmlns="" id="{F60CAA11-CC97-44E5-AE4D-808FD741A066}"/>
+                <a16:creationId xmlns="" xmlns:a16="http://schemas.microsoft.com/office/drawing/2014/main" id="{F60CAA11-CC97-44E5-AE4D-808FD741A066}"/>
               </a:ext>
             </a:extLst>
           </p:cNvPr>
@@ -2858,7 +2858,7 @@
           <p:cNvPr id="3" name="Content Placeholder 2">
             <a:extLst>
               <a:ext uri="{FF2B5EF4-FFF2-40B4-BE49-F238E27FC236}">
-                <a16:creationId xmlns:a16="http://schemas.microsoft.com/office/drawing/2014/main" xmlns="" id="{683AB6CB-9460-4BCA-86C5-5F26357AB80F}"/>
+                <a16:creationId xmlns="" xmlns:a16="http://schemas.microsoft.com/office/drawing/2014/main" id="{683AB6CB-9460-4BCA-86C5-5F26357AB80F}"/>
               </a:ext>
             </a:extLst>
           </p:cNvPr>
@@ -2921,7 +2921,7 @@
           <p:cNvPr id="4" name="Content Placeholder 3">
             <a:extLst>
               <a:ext uri="{FF2B5EF4-FFF2-40B4-BE49-F238E27FC236}">
-                <a16:creationId xmlns:a16="http://schemas.microsoft.com/office/drawing/2014/main" xmlns="" id="{69FAB0F6-401D-4BAF-A300-65AD684DF961}"/>
+                <a16:creationId xmlns="" xmlns:a16="http://schemas.microsoft.com/office/drawing/2014/main" id="{69FAB0F6-401D-4BAF-A300-65AD684DF961}"/>
               </a:ext>
             </a:extLst>
           </p:cNvPr>
@@ -2984,7 +2984,7 @@
           <p:cNvPr id="5" name="Date Placeholder 4">
             <a:extLst>
               <a:ext uri="{FF2B5EF4-FFF2-40B4-BE49-F238E27FC236}">
-                <a16:creationId xmlns:a16="http://schemas.microsoft.com/office/drawing/2014/main" xmlns="" id="{C4561BBA-B185-4B45-B152-3D320E15F550}"/>
+                <a16:creationId xmlns="" xmlns:a16="http://schemas.microsoft.com/office/drawing/2014/main" id="{C4561BBA-B185-4B45-B152-3D320E15F550}"/>
               </a:ext>
             </a:extLst>
           </p:cNvPr>
@@ -3002,7 +3002,7 @@
           <a:p>
             <a:fld id="{DECF21A4-E71B-4D3A-AF45-E989C23A7BB1}" type="datetimeFigureOut">
               <a:rPr lang="en-US" smtClean="0"/>
-              <a:t>6/14/2023</a:t>
+              <a:t>9/12/2023</a:t>
             </a:fld>
             <a:endParaRPr lang="en-US" dirty="0"/>
           </a:p>
@@ -3013,7 +3013,7 @@
           <p:cNvPr id="6" name="Footer Placeholder 5">
             <a:extLst>
               <a:ext uri="{FF2B5EF4-FFF2-40B4-BE49-F238E27FC236}">
-                <a16:creationId xmlns:a16="http://schemas.microsoft.com/office/drawing/2014/main" xmlns="" id="{D61CD760-96AC-4821-A56B-0B805F2FAD44}"/>
+                <a16:creationId xmlns="" xmlns:a16="http://schemas.microsoft.com/office/drawing/2014/main" id="{D61CD760-96AC-4821-A56B-0B805F2FAD44}"/>
               </a:ext>
             </a:extLst>
           </p:cNvPr>
@@ -3038,7 +3038,7 @@
           <p:cNvPr id="7" name="Slide Number Placeholder 6">
             <a:extLst>
               <a:ext uri="{FF2B5EF4-FFF2-40B4-BE49-F238E27FC236}">
-                <a16:creationId xmlns:a16="http://schemas.microsoft.com/office/drawing/2014/main" xmlns="" id="{2F750665-D5B5-4D0B-B2F0-CB6B027CDEC7}"/>
+                <a16:creationId xmlns="" xmlns:a16="http://schemas.microsoft.com/office/drawing/2014/main" id="{2F750665-D5B5-4D0B-B2F0-CB6B027CDEC7}"/>
               </a:ext>
             </a:extLst>
           </p:cNvPr>
@@ -3097,7 +3097,7 @@
           <p:cNvPr id="2" name="Title 1">
             <a:extLst>
               <a:ext uri="{FF2B5EF4-FFF2-40B4-BE49-F238E27FC236}">
-                <a16:creationId xmlns:a16="http://schemas.microsoft.com/office/drawing/2014/main" xmlns="" id="{01EA47C3-C498-415A-A057-E19BCEB5F28D}"/>
+                <a16:creationId xmlns="" xmlns:a16="http://schemas.microsoft.com/office/drawing/2014/main" id="{01EA47C3-C498-415A-A057-E19BCEB5F28D}"/>
               </a:ext>
             </a:extLst>
           </p:cNvPr>
@@ -3131,7 +3131,7 @@
           <p:cNvPr id="3" name="Text Placeholder 2">
             <a:extLst>
               <a:ext uri="{FF2B5EF4-FFF2-40B4-BE49-F238E27FC236}">
-                <a16:creationId xmlns:a16="http://schemas.microsoft.com/office/drawing/2014/main" xmlns="" id="{7BF6677F-2712-4810-A3AA-56FA75386D2A}"/>
+                <a16:creationId xmlns="" xmlns:a16="http://schemas.microsoft.com/office/drawing/2014/main" id="{7BF6677F-2712-4810-A3AA-56FA75386D2A}"/>
               </a:ext>
             </a:extLst>
           </p:cNvPr>
@@ -3202,7 +3202,7 @@
           <p:cNvPr id="4" name="Content Placeholder 3">
             <a:extLst>
               <a:ext uri="{FF2B5EF4-FFF2-40B4-BE49-F238E27FC236}">
-                <a16:creationId xmlns:a16="http://schemas.microsoft.com/office/drawing/2014/main" xmlns="" id="{F871B54A-6775-4978-8E19-32694C9B5E38}"/>
+                <a16:creationId xmlns="" xmlns:a16="http://schemas.microsoft.com/office/drawing/2014/main" id="{F871B54A-6775-4978-8E19-32694C9B5E38}"/>
               </a:ext>
             </a:extLst>
           </p:cNvPr>
@@ -3265,7 +3265,7 @@
           <p:cNvPr id="5" name="Text Placeholder 4">
             <a:extLst>
               <a:ext uri="{FF2B5EF4-FFF2-40B4-BE49-F238E27FC236}">
-                <a16:creationId xmlns:a16="http://schemas.microsoft.com/office/drawing/2014/main" xmlns="" id="{DDBA1303-B245-476D-BD02-A4E4A359F6E7}"/>
+                <a16:creationId xmlns="" xmlns:a16="http://schemas.microsoft.com/office/drawing/2014/main" id="{DDBA1303-B245-476D-BD02-A4E4A359F6E7}"/>
               </a:ext>
             </a:extLst>
           </p:cNvPr>
@@ -3336,7 +3336,7 @@
           <p:cNvPr id="6" name="Content Placeholder 5">
             <a:extLst>
               <a:ext uri="{FF2B5EF4-FFF2-40B4-BE49-F238E27FC236}">
-                <a16:creationId xmlns:a16="http://schemas.microsoft.com/office/drawing/2014/main" xmlns="" id="{BE8E898F-5B79-46F1-89C1-F827997CC485}"/>
+                <a16:creationId xmlns="" xmlns:a16="http://schemas.microsoft.com/office/drawing/2014/main" id="{BE8E898F-5B79-46F1-89C1-F827997CC485}"/>
               </a:ext>
             </a:extLst>
           </p:cNvPr>
@@ -3399,7 +3399,7 @@
           <p:cNvPr id="7" name="Date Placeholder 6">
             <a:extLst>
               <a:ext uri="{FF2B5EF4-FFF2-40B4-BE49-F238E27FC236}">
-                <a16:creationId xmlns:a16="http://schemas.microsoft.com/office/drawing/2014/main" xmlns="" id="{6B417A4D-2EC9-4294-BFF4-EAE22EE1099A}"/>
+                <a16:creationId xmlns="" xmlns:a16="http://schemas.microsoft.com/office/drawing/2014/main" id="{6B417A4D-2EC9-4294-BFF4-EAE22EE1099A}"/>
               </a:ext>
             </a:extLst>
           </p:cNvPr>
@@ -3417,7 +3417,7 @@
           <a:p>
             <a:fld id="{DECF21A4-E71B-4D3A-AF45-E989C23A7BB1}" type="datetimeFigureOut">
               <a:rPr lang="en-US" smtClean="0"/>
-              <a:t>6/14/2023</a:t>
+              <a:t>9/12/2023</a:t>
             </a:fld>
             <a:endParaRPr lang="en-US" dirty="0"/>
           </a:p>
@@ -3428,7 +3428,7 @@
           <p:cNvPr id="8" name="Footer Placeholder 7">
             <a:extLst>
               <a:ext uri="{FF2B5EF4-FFF2-40B4-BE49-F238E27FC236}">
-                <a16:creationId xmlns:a16="http://schemas.microsoft.com/office/drawing/2014/main" xmlns="" id="{6150E317-3602-42A1-BB7F-0184072E8D5F}"/>
+                <a16:creationId xmlns="" xmlns:a16="http://schemas.microsoft.com/office/drawing/2014/main" id="{6150E317-3602-42A1-BB7F-0184072E8D5F}"/>
               </a:ext>
             </a:extLst>
           </p:cNvPr>
@@ -3453,7 +3453,7 @@
           <p:cNvPr id="9" name="Slide Number Placeholder 8">
             <a:extLst>
               <a:ext uri="{FF2B5EF4-FFF2-40B4-BE49-F238E27FC236}">
-                <a16:creationId xmlns:a16="http://schemas.microsoft.com/office/drawing/2014/main" xmlns="" id="{50CE2C97-E26C-4A8B-93A0-B01E2C7F4522}"/>
+                <a16:creationId xmlns="" xmlns:a16="http://schemas.microsoft.com/office/drawing/2014/main" id="{50CE2C97-E26C-4A8B-93A0-B01E2C7F4522}"/>
               </a:ext>
             </a:extLst>
           </p:cNvPr>
@@ -3512,7 +3512,7 @@
           <p:cNvPr id="2" name="Title 1">
             <a:extLst>
               <a:ext uri="{FF2B5EF4-FFF2-40B4-BE49-F238E27FC236}">
-                <a16:creationId xmlns:a16="http://schemas.microsoft.com/office/drawing/2014/main" xmlns="" id="{719F68FC-5755-447A-8D7F-9ADED3E994A3}"/>
+                <a16:creationId xmlns="" xmlns:a16="http://schemas.microsoft.com/office/drawing/2014/main" id="{719F68FC-5755-447A-8D7F-9ADED3E994A3}"/>
               </a:ext>
             </a:extLst>
           </p:cNvPr>
@@ -3541,7 +3541,7 @@
           <p:cNvPr id="3" name="Date Placeholder 2">
             <a:extLst>
               <a:ext uri="{FF2B5EF4-FFF2-40B4-BE49-F238E27FC236}">
-                <a16:creationId xmlns:a16="http://schemas.microsoft.com/office/drawing/2014/main" xmlns="" id="{8AB50287-81AA-46CA-8CB3-53A7F8313741}"/>
+                <a16:creationId xmlns="" xmlns:a16="http://schemas.microsoft.com/office/drawing/2014/main" id="{8AB50287-81AA-46CA-8CB3-53A7F8313741}"/>
               </a:ext>
             </a:extLst>
           </p:cNvPr>
@@ -3559,7 +3559,7 @@
           <a:p>
             <a:fld id="{DECF21A4-E71B-4D3A-AF45-E989C23A7BB1}" type="datetimeFigureOut">
               <a:rPr lang="en-US" smtClean="0"/>
-              <a:t>6/14/2023</a:t>
+              <a:t>9/12/2023</a:t>
             </a:fld>
             <a:endParaRPr lang="en-US" dirty="0"/>
           </a:p>
@@ -3570,7 +3570,7 @@
           <p:cNvPr id="4" name="Footer Placeholder 3">
             <a:extLst>
               <a:ext uri="{FF2B5EF4-FFF2-40B4-BE49-F238E27FC236}">
-                <a16:creationId xmlns:a16="http://schemas.microsoft.com/office/drawing/2014/main" xmlns="" id="{2F1BA4AA-02C9-459E-9362-3DA60E3B5972}"/>
+                <a16:creationId xmlns="" xmlns:a16="http://schemas.microsoft.com/office/drawing/2014/main" id="{2F1BA4AA-02C9-459E-9362-3DA60E3B5972}"/>
               </a:ext>
             </a:extLst>
           </p:cNvPr>
@@ -3595,7 +3595,7 @@
           <p:cNvPr id="5" name="Slide Number Placeholder 4">
             <a:extLst>
               <a:ext uri="{FF2B5EF4-FFF2-40B4-BE49-F238E27FC236}">
-                <a16:creationId xmlns:a16="http://schemas.microsoft.com/office/drawing/2014/main" xmlns="" id="{AB2A2C8F-DBB4-4235-A67E-FB4039D9AA24}"/>
+                <a16:creationId xmlns="" xmlns:a16="http://schemas.microsoft.com/office/drawing/2014/main" id="{AB2A2C8F-DBB4-4235-A67E-FB4039D9AA24}"/>
               </a:ext>
             </a:extLst>
           </p:cNvPr>
@@ -3654,7 +3654,7 @@
           <p:cNvPr id="2" name="Date Placeholder 1">
             <a:extLst>
               <a:ext uri="{FF2B5EF4-FFF2-40B4-BE49-F238E27FC236}">
-                <a16:creationId xmlns:a16="http://schemas.microsoft.com/office/drawing/2014/main" xmlns="" id="{B46ACAA5-F8E7-46E9-8BA7-A510948B62CC}"/>
+                <a16:creationId xmlns="" xmlns:a16="http://schemas.microsoft.com/office/drawing/2014/main" id="{B46ACAA5-F8E7-46E9-8BA7-A510948B62CC}"/>
               </a:ext>
             </a:extLst>
           </p:cNvPr>
@@ -3672,7 +3672,7 @@
           <a:p>
             <a:fld id="{DECF21A4-E71B-4D3A-AF45-E989C23A7BB1}" type="datetimeFigureOut">
               <a:rPr lang="en-US" smtClean="0"/>
-              <a:t>6/14/2023</a:t>
+              <a:t>9/12/2023</a:t>
             </a:fld>
             <a:endParaRPr lang="en-US" dirty="0"/>
           </a:p>
@@ -3683,7 +3683,7 @@
           <p:cNvPr id="3" name="Footer Placeholder 2">
             <a:extLst>
               <a:ext uri="{FF2B5EF4-FFF2-40B4-BE49-F238E27FC236}">
-                <a16:creationId xmlns:a16="http://schemas.microsoft.com/office/drawing/2014/main" xmlns="" id="{D1F2DEE8-5654-4DCA-A8D0-D883E52B6FBC}"/>
+                <a16:creationId xmlns="" xmlns:a16="http://schemas.microsoft.com/office/drawing/2014/main" id="{D1F2DEE8-5654-4DCA-A8D0-D883E52B6FBC}"/>
               </a:ext>
             </a:extLst>
           </p:cNvPr>
@@ -3708,7 +3708,7 @@
           <p:cNvPr id="4" name="Slide Number Placeholder 3">
             <a:extLst>
               <a:ext uri="{FF2B5EF4-FFF2-40B4-BE49-F238E27FC236}">
-                <a16:creationId xmlns:a16="http://schemas.microsoft.com/office/drawing/2014/main" xmlns="" id="{B0B179A5-4329-4057-9DEB-5B6E3AD1183F}"/>
+                <a16:creationId xmlns="" xmlns:a16="http://schemas.microsoft.com/office/drawing/2014/main" id="{B0B179A5-4329-4057-9DEB-5B6E3AD1183F}"/>
               </a:ext>
             </a:extLst>
           </p:cNvPr>
@@ -3767,7 +3767,7 @@
           <p:cNvPr id="2" name="Title 1">
             <a:extLst>
               <a:ext uri="{FF2B5EF4-FFF2-40B4-BE49-F238E27FC236}">
-                <a16:creationId xmlns:a16="http://schemas.microsoft.com/office/drawing/2014/main" xmlns="" id="{3291DA80-336B-4DBB-91A1-6E3E4B3C20AA}"/>
+                <a16:creationId xmlns="" xmlns:a16="http://schemas.microsoft.com/office/drawing/2014/main" id="{3291DA80-336B-4DBB-91A1-6E3E4B3C20AA}"/>
               </a:ext>
             </a:extLst>
           </p:cNvPr>
@@ -3805,7 +3805,7 @@
           <p:cNvPr id="3" name="Content Placeholder 2">
             <a:extLst>
               <a:ext uri="{FF2B5EF4-FFF2-40B4-BE49-F238E27FC236}">
-                <a16:creationId xmlns:a16="http://schemas.microsoft.com/office/drawing/2014/main" xmlns="" id="{3840D456-F0A3-4789-A310-A23F01B2EC00}"/>
+                <a16:creationId xmlns="" xmlns:a16="http://schemas.microsoft.com/office/drawing/2014/main" id="{3840D456-F0A3-4789-A310-A23F01B2EC00}"/>
               </a:ext>
             </a:extLst>
           </p:cNvPr>
@@ -3896,7 +3896,7 @@
           <p:cNvPr id="4" name="Text Placeholder 3">
             <a:extLst>
               <a:ext uri="{FF2B5EF4-FFF2-40B4-BE49-F238E27FC236}">
-                <a16:creationId xmlns:a16="http://schemas.microsoft.com/office/drawing/2014/main" xmlns="" id="{CB8A8B05-7071-44D4-80F7-3E8191C9A49B}"/>
+                <a16:creationId xmlns="" xmlns:a16="http://schemas.microsoft.com/office/drawing/2014/main" id="{CB8A8B05-7071-44D4-80F7-3E8191C9A49B}"/>
               </a:ext>
             </a:extLst>
           </p:cNvPr>
@@ -3967,7 +3967,7 @@
           <p:cNvPr id="5" name="Date Placeholder 4">
             <a:extLst>
               <a:ext uri="{FF2B5EF4-FFF2-40B4-BE49-F238E27FC236}">
-                <a16:creationId xmlns:a16="http://schemas.microsoft.com/office/drawing/2014/main" xmlns="" id="{E5D8562E-E6F1-449B-909C-98426BA86B36}"/>
+                <a16:creationId xmlns="" xmlns:a16="http://schemas.microsoft.com/office/drawing/2014/main" id="{E5D8562E-E6F1-449B-909C-98426BA86B36}"/>
               </a:ext>
             </a:extLst>
           </p:cNvPr>
@@ -3985,7 +3985,7 @@
           <a:p>
             <a:fld id="{DECF21A4-E71B-4D3A-AF45-E989C23A7BB1}" type="datetimeFigureOut">
               <a:rPr lang="en-US" smtClean="0"/>
-              <a:t>6/14/2023</a:t>
+              <a:t>9/12/2023</a:t>
             </a:fld>
             <a:endParaRPr lang="en-US" dirty="0"/>
           </a:p>
@@ -3996,7 +3996,7 @@
           <p:cNvPr id="6" name="Footer Placeholder 5">
             <a:extLst>
               <a:ext uri="{FF2B5EF4-FFF2-40B4-BE49-F238E27FC236}">
-                <a16:creationId xmlns:a16="http://schemas.microsoft.com/office/drawing/2014/main" xmlns="" id="{7EB47A9A-FB08-407B-A73A-0AC513F0FD5A}"/>
+                <a16:creationId xmlns="" xmlns:a16="http://schemas.microsoft.com/office/drawing/2014/main" id="{7EB47A9A-FB08-407B-A73A-0AC513F0FD5A}"/>
               </a:ext>
             </a:extLst>
           </p:cNvPr>
@@ -4021,7 +4021,7 @@
           <p:cNvPr id="7" name="Slide Number Placeholder 6">
             <a:extLst>
               <a:ext uri="{FF2B5EF4-FFF2-40B4-BE49-F238E27FC236}">
-                <a16:creationId xmlns:a16="http://schemas.microsoft.com/office/drawing/2014/main" xmlns="" id="{4BFF841F-796A-4FE6-B5E0-C8A4986793EE}"/>
+                <a16:creationId xmlns="" xmlns:a16="http://schemas.microsoft.com/office/drawing/2014/main" id="{4BFF841F-796A-4FE6-B5E0-C8A4986793EE}"/>
               </a:ext>
             </a:extLst>
           </p:cNvPr>
@@ -4080,7 +4080,7 @@
           <p:cNvPr id="2" name="Title 1">
             <a:extLst>
               <a:ext uri="{FF2B5EF4-FFF2-40B4-BE49-F238E27FC236}">
-                <a16:creationId xmlns:a16="http://schemas.microsoft.com/office/drawing/2014/main" xmlns="" id="{3CAD474D-6779-4C23-BD3C-82F5DC3E3E2F}"/>
+                <a16:creationId xmlns="" xmlns:a16="http://schemas.microsoft.com/office/drawing/2014/main" id="{3CAD474D-6779-4C23-BD3C-82F5DC3E3E2F}"/>
               </a:ext>
             </a:extLst>
           </p:cNvPr>
@@ -4118,7 +4118,7 @@
           <p:cNvPr id="3" name="Picture Placeholder 2">
             <a:extLst>
               <a:ext uri="{FF2B5EF4-FFF2-40B4-BE49-F238E27FC236}">
-                <a16:creationId xmlns:a16="http://schemas.microsoft.com/office/drawing/2014/main" xmlns="" id="{0A21096C-E430-49C7-A801-21C0BD95DC42}"/>
+                <a16:creationId xmlns="" xmlns:a16="http://schemas.microsoft.com/office/drawing/2014/main" id="{0A21096C-E430-49C7-A801-21C0BD95DC42}"/>
               </a:ext>
             </a:extLst>
           </p:cNvPr>
@@ -4189,7 +4189,7 @@
           <p:cNvPr id="4" name="Text Placeholder 3">
             <a:extLst>
               <a:ext uri="{FF2B5EF4-FFF2-40B4-BE49-F238E27FC236}">
-                <a16:creationId xmlns:a16="http://schemas.microsoft.com/office/drawing/2014/main" xmlns="" id="{0024828F-334F-4A50-850D-10684F245271}"/>
+                <a16:creationId xmlns="" xmlns:a16="http://schemas.microsoft.com/office/drawing/2014/main" id="{0024828F-334F-4A50-850D-10684F245271}"/>
               </a:ext>
             </a:extLst>
           </p:cNvPr>
@@ -4260,7 +4260,7 @@
           <p:cNvPr id="5" name="Date Placeholder 4">
             <a:extLst>
               <a:ext uri="{FF2B5EF4-FFF2-40B4-BE49-F238E27FC236}">
-                <a16:creationId xmlns:a16="http://schemas.microsoft.com/office/drawing/2014/main" xmlns="" id="{533293F4-2B70-4BB5-A982-219E4133E251}"/>
+                <a16:creationId xmlns="" xmlns:a16="http://schemas.microsoft.com/office/drawing/2014/main" id="{533293F4-2B70-4BB5-A982-219E4133E251}"/>
               </a:ext>
             </a:extLst>
           </p:cNvPr>
@@ -4278,7 +4278,7 @@
           <a:p>
             <a:fld id="{DECF21A4-E71B-4D3A-AF45-E989C23A7BB1}" type="datetimeFigureOut">
               <a:rPr lang="en-US" smtClean="0"/>
-              <a:t>6/14/2023</a:t>
+              <a:t>9/12/2023</a:t>
             </a:fld>
             <a:endParaRPr lang="en-US" dirty="0"/>
           </a:p>
@@ -4289,7 +4289,7 @@
           <p:cNvPr id="6" name="Footer Placeholder 5">
             <a:extLst>
               <a:ext uri="{FF2B5EF4-FFF2-40B4-BE49-F238E27FC236}">
-                <a16:creationId xmlns:a16="http://schemas.microsoft.com/office/drawing/2014/main" xmlns="" id="{C4F9A86F-B378-4759-B50E-2E0BFAE62463}"/>
+                <a16:creationId xmlns="" xmlns:a16="http://schemas.microsoft.com/office/drawing/2014/main" id="{C4F9A86F-B378-4759-B50E-2E0BFAE62463}"/>
               </a:ext>
             </a:extLst>
           </p:cNvPr>
@@ -4314,7 +4314,7 @@
           <p:cNvPr id="7" name="Slide Number Placeholder 6">
             <a:extLst>
               <a:ext uri="{FF2B5EF4-FFF2-40B4-BE49-F238E27FC236}">
-                <a16:creationId xmlns:a16="http://schemas.microsoft.com/office/drawing/2014/main" xmlns="" id="{B0A95BDC-FC58-4638-AA59-A3DA9931FD3D}"/>
+                <a16:creationId xmlns="" xmlns:a16="http://schemas.microsoft.com/office/drawing/2014/main" id="{B0A95BDC-FC58-4638-AA59-A3DA9931FD3D}"/>
               </a:ext>
             </a:extLst>
           </p:cNvPr>
@@ -4378,7 +4378,7 @@
           <p:cNvPr id="2" name="Title Placeholder 1">
             <a:extLst>
               <a:ext uri="{FF2B5EF4-FFF2-40B4-BE49-F238E27FC236}">
-                <a16:creationId xmlns:a16="http://schemas.microsoft.com/office/drawing/2014/main" xmlns="" id="{6D80BC3B-525F-4038-9330-0729879F9185}"/>
+                <a16:creationId xmlns="" xmlns:a16="http://schemas.microsoft.com/office/drawing/2014/main" id="{6D80BC3B-525F-4038-9330-0729879F9185}"/>
               </a:ext>
             </a:extLst>
           </p:cNvPr>
@@ -4417,7 +4417,7 @@
           <p:cNvPr id="3" name="Text Placeholder 2">
             <a:extLst>
               <a:ext uri="{FF2B5EF4-FFF2-40B4-BE49-F238E27FC236}">
-                <a16:creationId xmlns:a16="http://schemas.microsoft.com/office/drawing/2014/main" xmlns="" id="{99629186-93D7-46FA-AE02-36D9426043AF}"/>
+                <a16:creationId xmlns="" xmlns:a16="http://schemas.microsoft.com/office/drawing/2014/main" id="{99629186-93D7-46FA-AE02-36D9426043AF}"/>
               </a:ext>
             </a:extLst>
           </p:cNvPr>
@@ -4484,7 +4484,7 @@
           <p:cNvPr id="4" name="Date Placeholder 3">
             <a:extLst>
               <a:ext uri="{FF2B5EF4-FFF2-40B4-BE49-F238E27FC236}">
-                <a16:creationId xmlns:a16="http://schemas.microsoft.com/office/drawing/2014/main" xmlns="" id="{21BF1CEB-0530-4996-BAEF-2E6A04DAD60F}"/>
+                <a16:creationId xmlns="" xmlns:a16="http://schemas.microsoft.com/office/drawing/2014/main" id="{21BF1CEB-0530-4996-BAEF-2E6A04DAD60F}"/>
               </a:ext>
             </a:extLst>
           </p:cNvPr>
@@ -4520,7 +4520,7 @@
           <a:p>
             <a:fld id="{DECF21A4-E71B-4D3A-AF45-E989C23A7BB1}" type="datetimeFigureOut">
               <a:rPr lang="en-US" smtClean="0"/>
-              <a:t>6/14/2023</a:t>
+              <a:t>9/12/2023</a:t>
             </a:fld>
             <a:endParaRPr lang="en-US" dirty="0"/>
           </a:p>
@@ -4531,7 +4531,7 @@
           <p:cNvPr id="5" name="Footer Placeholder 4">
             <a:extLst>
               <a:ext uri="{FF2B5EF4-FFF2-40B4-BE49-F238E27FC236}">
-                <a16:creationId xmlns:a16="http://schemas.microsoft.com/office/drawing/2014/main" xmlns="" id="{C8DCFF3D-7353-4B4D-9E75-FA835E06E749}"/>
+                <a16:creationId xmlns="" xmlns:a16="http://schemas.microsoft.com/office/drawing/2014/main" id="{C8DCFF3D-7353-4B4D-9E75-FA835E06E749}"/>
               </a:ext>
             </a:extLst>
           </p:cNvPr>
@@ -4574,7 +4574,7 @@
           <p:cNvPr id="6" name="Slide Number Placeholder 5">
             <a:extLst>
               <a:ext uri="{FF2B5EF4-FFF2-40B4-BE49-F238E27FC236}">
-                <a16:creationId xmlns:a16="http://schemas.microsoft.com/office/drawing/2014/main" xmlns="" id="{F382C8D6-8B0B-4982-9EE4-AA823C69C327}"/>
+                <a16:creationId xmlns="" xmlns:a16="http://schemas.microsoft.com/office/drawing/2014/main" id="{F382C8D6-8B0B-4982-9EE4-AA823C69C327}"/>
               </a:ext>
             </a:extLst>
           </p:cNvPr>
@@ -4960,7 +4960,7 @@
           <p:cNvPr id="2" name="Title 1">
             <a:extLst>
               <a:ext uri="{FF2B5EF4-FFF2-40B4-BE49-F238E27FC236}">
-                <a16:creationId xmlns:a16="http://schemas.microsoft.com/office/drawing/2014/main" xmlns="" id="{E561AC0E-7195-4ACF-AA0A-5E2923A987F7}"/>
+                <a16:creationId xmlns="" xmlns:a16="http://schemas.microsoft.com/office/drawing/2014/main" id="{E561AC0E-7195-4ACF-AA0A-5E2923A987F7}"/>
               </a:ext>
             </a:extLst>
           </p:cNvPr>
@@ -5020,10 +5020,10 @@
           <p:cNvPr id="29" name="Freeform: Shape 28">
             <a:extLst>
               <a:ext uri="{FF2B5EF4-FFF2-40B4-BE49-F238E27FC236}">
-                <a16:creationId xmlns:a16="http://schemas.microsoft.com/office/drawing/2014/main" xmlns="" id="{F6E384F5-137A-40B1-97F0-694CC6ECD59C}"/>
+                <a16:creationId xmlns="" xmlns:a16="http://schemas.microsoft.com/office/drawing/2014/main" id="{F6E384F5-137A-40B1-97F0-694CC6ECD59C}"/>
               </a:ext>
               <a:ext uri="{C183D7F6-B498-43B3-948B-1728B52AA6E4}">
-                <adec:decorative xmlns:adec="http://schemas.microsoft.com/office/drawing/2017/decorative" xmlns="" val="1"/>
+                <adec:decorative xmlns="" xmlns:adec="http://schemas.microsoft.com/office/drawing/2017/decorative" val="1"/>
               </a:ext>
             </a:extLst>
           </p:cNvPr>
@@ -5033,7 +5033,7 @@
           <p:nvPr>
             <p:extLst>
               <p:ext uri="{386F3935-93C4-4BCD-93E2-E3B085C9AB24}">
-                <p16:designElem xmlns:p16="http://schemas.microsoft.com/office/powerpoint/2015/main" xmlns="" val="1"/>
+                <p16:designElem xmlns="" xmlns:p16="http://schemas.microsoft.com/office/powerpoint/2015/main" val="1"/>
               </p:ext>
             </p:extLst>
           </p:nvPr>
@@ -5197,10 +5197,10 @@
           <p:cNvPr id="31" name="Freeform: Shape 30">
             <a:extLst>
               <a:ext uri="{FF2B5EF4-FFF2-40B4-BE49-F238E27FC236}">
-                <a16:creationId xmlns:a16="http://schemas.microsoft.com/office/drawing/2014/main" xmlns="" id="{EBA87361-6D30-46E4-834B-719CF59055EA}"/>
+                <a16:creationId xmlns="" xmlns:a16="http://schemas.microsoft.com/office/drawing/2014/main" id="{EBA87361-6D30-46E4-834B-719CF59055EA}"/>
               </a:ext>
               <a:ext uri="{C183D7F6-B498-43B3-948B-1728B52AA6E4}">
-                <adec:decorative xmlns:adec="http://schemas.microsoft.com/office/drawing/2017/decorative" xmlns="" val="1"/>
+                <adec:decorative xmlns="" xmlns:adec="http://schemas.microsoft.com/office/drawing/2017/decorative" val="1"/>
               </a:ext>
             </a:extLst>
           </p:cNvPr>
@@ -5210,7 +5210,7 @@
           <p:nvPr>
             <p:extLst>
               <p:ext uri="{386F3935-93C4-4BCD-93E2-E3B085C9AB24}">
-                <p16:designElem xmlns:p16="http://schemas.microsoft.com/office/powerpoint/2015/main" xmlns="" val="1"/>
+                <p16:designElem xmlns="" xmlns:p16="http://schemas.microsoft.com/office/powerpoint/2015/main" val="1"/>
               </p:ext>
             </p:extLst>
           </p:nvPr>
@@ -5372,10 +5372,10 @@
           <p:cNvPr id="33" name="Freeform: Shape 32">
             <a:extLst>
               <a:ext uri="{FF2B5EF4-FFF2-40B4-BE49-F238E27FC236}">
-                <a16:creationId xmlns:a16="http://schemas.microsoft.com/office/drawing/2014/main" xmlns="" id="{9DBC4630-03DA-474F-BBCB-BA3AE6B317A4}"/>
+                <a16:creationId xmlns="" xmlns:a16="http://schemas.microsoft.com/office/drawing/2014/main" id="{9DBC4630-03DA-474F-BBCB-BA3AE6B317A4}"/>
               </a:ext>
               <a:ext uri="{C183D7F6-B498-43B3-948B-1728B52AA6E4}">
-                <adec:decorative xmlns:adec="http://schemas.microsoft.com/office/drawing/2017/decorative" xmlns="" val="1"/>
+                <adec:decorative xmlns="" xmlns:adec="http://schemas.microsoft.com/office/drawing/2017/decorative" val="1"/>
               </a:ext>
             </a:extLst>
           </p:cNvPr>
@@ -5385,7 +5385,7 @@
           <p:nvPr>
             <p:extLst>
               <p:ext uri="{386F3935-93C4-4BCD-93E2-E3B085C9AB24}">
-                <p16:designElem xmlns:p16="http://schemas.microsoft.com/office/powerpoint/2015/main" xmlns="" val="1"/>
+                <p16:designElem xmlns="" xmlns:p16="http://schemas.microsoft.com/office/powerpoint/2015/main" val="1"/>
               </p:ext>
             </p:extLst>
           </p:nvPr>
@@ -5543,10 +5543,10 @@
           <p:cNvPr id="37" name="Oval 36">
             <a:extLst>
               <a:ext uri="{FF2B5EF4-FFF2-40B4-BE49-F238E27FC236}">
-                <a16:creationId xmlns:a16="http://schemas.microsoft.com/office/drawing/2014/main" xmlns="" id="{78418A25-6EAC-4140-BFE6-284E1925B5EE}"/>
+                <a16:creationId xmlns="" xmlns:a16="http://schemas.microsoft.com/office/drawing/2014/main" id="{78418A25-6EAC-4140-BFE6-284E1925B5EE}"/>
               </a:ext>
               <a:ext uri="{C183D7F6-B498-43B3-948B-1728B52AA6E4}">
-                <adec:decorative xmlns:adec="http://schemas.microsoft.com/office/drawing/2017/decorative" xmlns="" val="1"/>
+                <adec:decorative xmlns="" xmlns:adec="http://schemas.microsoft.com/office/drawing/2017/decorative" val="1"/>
               </a:ext>
             </a:extLst>
           </p:cNvPr>
@@ -5556,7 +5556,7 @@
           <p:nvPr>
             <p:extLst>
               <p:ext uri="{386F3935-93C4-4BCD-93E2-E3B085C9AB24}">
-                <p16:designElem xmlns:p16="http://schemas.microsoft.com/office/powerpoint/2015/main" xmlns="" val="1"/>
+                <p16:designElem xmlns="" xmlns:p16="http://schemas.microsoft.com/office/powerpoint/2015/main" val="1"/>
               </p:ext>
             </p:extLst>
           </p:nvPr>
@@ -5637,10 +5637,10 @@
           <p:cNvPr id="41" name="Freeform: Shape 40">
             <a:extLst>
               <a:ext uri="{FF2B5EF4-FFF2-40B4-BE49-F238E27FC236}">
-                <a16:creationId xmlns:a16="http://schemas.microsoft.com/office/drawing/2014/main" xmlns="" id="{31103AB2-C090-458F-B752-294F23AFA8AD}"/>
+                <a16:creationId xmlns="" xmlns:a16="http://schemas.microsoft.com/office/drawing/2014/main" id="{31103AB2-C090-458F-B752-294F23AFA8AD}"/>
               </a:ext>
               <a:ext uri="{C183D7F6-B498-43B3-948B-1728B52AA6E4}">
-                <adec:decorative xmlns:adec="http://schemas.microsoft.com/office/drawing/2017/decorative" xmlns="" val="1"/>
+                <adec:decorative xmlns="" xmlns:adec="http://schemas.microsoft.com/office/drawing/2017/decorative" val="1"/>
               </a:ext>
             </a:extLst>
           </p:cNvPr>
@@ -5650,7 +5650,7 @@
           <p:nvPr>
             <p:extLst>
               <p:ext uri="{386F3935-93C4-4BCD-93E2-E3B085C9AB24}">
-                <p16:designElem xmlns:p16="http://schemas.microsoft.com/office/powerpoint/2015/main" xmlns="" val="1"/>
+                <p16:designElem xmlns="" xmlns:p16="http://schemas.microsoft.com/office/powerpoint/2015/main" val="1"/>
               </p:ext>
             </p:extLst>
           </p:nvPr>
@@ -5806,10 +5806,10 @@
           <p:cNvPr id="43" name="Freeform: Shape 42">
             <a:extLst>
               <a:ext uri="{FF2B5EF4-FFF2-40B4-BE49-F238E27FC236}">
-                <a16:creationId xmlns:a16="http://schemas.microsoft.com/office/drawing/2014/main" xmlns="" id="{83D471F3-782A-4BA1-9CAB-FF5CDF0A75E0}"/>
+                <a16:creationId xmlns="" xmlns:a16="http://schemas.microsoft.com/office/drawing/2014/main" id="{83D471F3-782A-4BA1-9CAB-FF5CDF0A75E0}"/>
               </a:ext>
               <a:ext uri="{C183D7F6-B498-43B3-948B-1728B52AA6E4}">
-                <adec:decorative xmlns:adec="http://schemas.microsoft.com/office/drawing/2017/decorative" xmlns="" val="1"/>
+                <adec:decorative xmlns="" xmlns:adec="http://schemas.microsoft.com/office/drawing/2017/decorative" val="1"/>
               </a:ext>
             </a:extLst>
           </p:cNvPr>
@@ -5819,7 +5819,7 @@
           <p:nvPr>
             <p:extLst>
               <p:ext uri="{386F3935-93C4-4BCD-93E2-E3B085C9AB24}">
-                <p16:designElem xmlns:p16="http://schemas.microsoft.com/office/powerpoint/2015/main" xmlns="" val="1"/>
+                <p16:designElem xmlns="" xmlns:p16="http://schemas.microsoft.com/office/powerpoint/2015/main" val="1"/>
               </p:ext>
             </p:extLst>
           </p:nvPr>
@@ -6481,7 +6481,7 @@
           <p:cNvPr id="2" name="Title 1">
             <a:extLst>
               <a:ext uri="{FF2B5EF4-FFF2-40B4-BE49-F238E27FC236}">
-                <a16:creationId xmlns:a16="http://schemas.microsoft.com/office/drawing/2014/main" xmlns="" id="{042C824B-4279-4D47-92DD-71F5353FAA23}"/>
+                <a16:creationId xmlns="" xmlns:a16="http://schemas.microsoft.com/office/drawing/2014/main" id="{042C824B-4279-4D47-92DD-71F5353FAA23}"/>
               </a:ext>
             </a:extLst>
           </p:cNvPr>
@@ -8525,7 +8525,7 @@
           <p:cNvPr id="2" name="Title 1">
             <a:extLst>
               <a:ext uri="{FF2B5EF4-FFF2-40B4-BE49-F238E27FC236}">
-                <a16:creationId xmlns:a16="http://schemas.microsoft.com/office/drawing/2014/main" xmlns="" id="{042C824B-4279-4D47-92DD-71F5353FAA23}"/>
+                <a16:creationId xmlns="" xmlns:a16="http://schemas.microsoft.com/office/drawing/2014/main" id="{042C824B-4279-4D47-92DD-71F5353FAA23}"/>
               </a:ext>
             </a:extLst>
           </p:cNvPr>
@@ -9690,7 +9690,7 @@
           <p:cNvPr id="2" name="Title 1">
             <a:extLst>
               <a:ext uri="{FF2B5EF4-FFF2-40B4-BE49-F238E27FC236}">
-                <a16:creationId xmlns:a16="http://schemas.microsoft.com/office/drawing/2014/main" xmlns="" id="{042C824B-4279-4D47-92DD-71F5353FAA23}"/>
+                <a16:creationId xmlns="" xmlns:a16="http://schemas.microsoft.com/office/drawing/2014/main" id="{042C824B-4279-4D47-92DD-71F5353FAA23}"/>
               </a:ext>
             </a:extLst>
           </p:cNvPr>
@@ -10112,7 +10112,7 @@
           <p:cNvPr id="2" name="Title 1">
             <a:extLst>
               <a:ext uri="{FF2B5EF4-FFF2-40B4-BE49-F238E27FC236}">
-                <a16:creationId xmlns:a16="http://schemas.microsoft.com/office/drawing/2014/main" xmlns="" id="{042C824B-4279-4D47-92DD-71F5353FAA23}"/>
+                <a16:creationId xmlns="" xmlns:a16="http://schemas.microsoft.com/office/drawing/2014/main" id="{042C824B-4279-4D47-92DD-71F5353FAA23}"/>
               </a:ext>
             </a:extLst>
           </p:cNvPr>
@@ -10652,7 +10652,7 @@
           <p:cNvPr id="2" name="Title 1">
             <a:extLst>
               <a:ext uri="{FF2B5EF4-FFF2-40B4-BE49-F238E27FC236}">
-                <a16:creationId xmlns:a16="http://schemas.microsoft.com/office/drawing/2014/main" xmlns="" id="{042C824B-4279-4D47-92DD-71F5353FAA23}"/>
+                <a16:creationId xmlns="" xmlns:a16="http://schemas.microsoft.com/office/drawing/2014/main" id="{042C824B-4279-4D47-92DD-71F5353FAA23}"/>
               </a:ext>
             </a:extLst>
           </p:cNvPr>
@@ -11146,7 +11146,7 @@
           <p:cNvPr id="2" name="Title 1">
             <a:extLst>
               <a:ext uri="{FF2B5EF4-FFF2-40B4-BE49-F238E27FC236}">
-                <a16:creationId xmlns:a16="http://schemas.microsoft.com/office/drawing/2014/main" xmlns="" id="{042C824B-4279-4D47-92DD-71F5353FAA23}"/>
+                <a16:creationId xmlns="" xmlns:a16="http://schemas.microsoft.com/office/drawing/2014/main" id="{042C824B-4279-4D47-92DD-71F5353FAA23}"/>
               </a:ext>
             </a:extLst>
           </p:cNvPr>
@@ -12035,7 +12035,7 @@
           <p:cNvPr id="2" name="Title 1">
             <a:extLst>
               <a:ext uri="{FF2B5EF4-FFF2-40B4-BE49-F238E27FC236}">
-                <a16:creationId xmlns:a16="http://schemas.microsoft.com/office/drawing/2014/main" xmlns="" id="{042C824B-4279-4D47-92DD-71F5353FAA23}"/>
+                <a16:creationId xmlns="" xmlns:a16="http://schemas.microsoft.com/office/drawing/2014/main" id="{042C824B-4279-4D47-92DD-71F5353FAA23}"/>
               </a:ext>
             </a:extLst>
           </p:cNvPr>
@@ -12613,7 +12613,7 @@
           <p:cNvPr id="2" name="Title 1">
             <a:extLst>
               <a:ext uri="{FF2B5EF4-FFF2-40B4-BE49-F238E27FC236}">
-                <a16:creationId xmlns:a16="http://schemas.microsoft.com/office/drawing/2014/main" xmlns="" id="{042C824B-4279-4D47-92DD-71F5353FAA23}"/>
+                <a16:creationId xmlns="" xmlns:a16="http://schemas.microsoft.com/office/drawing/2014/main" id="{042C824B-4279-4D47-92DD-71F5353FAA23}"/>
               </a:ext>
             </a:extLst>
           </p:cNvPr>
@@ -12890,7 +12890,7 @@
           <p:cNvPr id="2" name="Title 1">
             <a:extLst>
               <a:ext uri="{FF2B5EF4-FFF2-40B4-BE49-F238E27FC236}">
-                <a16:creationId xmlns:a16="http://schemas.microsoft.com/office/drawing/2014/main" xmlns="" id="{042C824B-4279-4D47-92DD-71F5353FAA23}"/>
+                <a16:creationId xmlns="" xmlns:a16="http://schemas.microsoft.com/office/drawing/2014/main" id="{042C824B-4279-4D47-92DD-71F5353FAA23}"/>
               </a:ext>
             </a:extLst>
           </p:cNvPr>
@@ -13203,7 +13203,7 @@
           <p:cNvPr id="2" name="Title 1">
             <a:extLst>
               <a:ext uri="{FF2B5EF4-FFF2-40B4-BE49-F238E27FC236}">
-                <a16:creationId xmlns:a16="http://schemas.microsoft.com/office/drawing/2014/main" xmlns="" id="{042C824B-4279-4D47-92DD-71F5353FAA23}"/>
+                <a16:creationId xmlns="" xmlns:a16="http://schemas.microsoft.com/office/drawing/2014/main" id="{042C824B-4279-4D47-92DD-71F5353FAA23}"/>
               </a:ext>
             </a:extLst>
           </p:cNvPr>
@@ -13494,7 +13494,7 @@
           <p:cNvPr id="2" name="Title 1">
             <a:extLst>
               <a:ext uri="{FF2B5EF4-FFF2-40B4-BE49-F238E27FC236}">
-                <a16:creationId xmlns:a16="http://schemas.microsoft.com/office/drawing/2014/main" xmlns="" id="{042C824B-4279-4D47-92DD-71F5353FAA23}"/>
+                <a16:creationId xmlns="" xmlns:a16="http://schemas.microsoft.com/office/drawing/2014/main" id="{042C824B-4279-4D47-92DD-71F5353FAA23}"/>
               </a:ext>
             </a:extLst>
           </p:cNvPr>
@@ -14806,23 +14806,6 @@
 </file>
 
 <file path=customXml/item1.xml><?xml version="1.0" encoding="utf-8"?>
-<p:properties xmlns:p="http://schemas.microsoft.com/office/2006/metadata/properties" xmlns:xsi="http://www.w3.org/2001/XMLSchema-instance" xmlns:pc="http://schemas.microsoft.com/office/infopath/2007/PartnerControls">
-  <documentManagement>
-    <MediaServiceKeyPoints xmlns="71af3243-3dd4-4a8d-8c0d-dd76da1f02a5" xsi:nil="true"/>
-  </documentManagement>
-</p:properties>
-</file>
-
-<file path=customXml/item2.xml><?xml version="1.0" encoding="utf-8"?>
-<?mso-contentType ?>
-<FormTemplates xmlns="http://schemas.microsoft.com/sharepoint/v3/contenttype/forms">
-  <Display>DocumentLibraryForm</Display>
-  <Edit>DocumentLibraryForm</Edit>
-  <New>DocumentLibraryForm</New>
-</FormTemplates>
-</file>
-
-<file path=customXml/item3.xml><?xml version="1.0" encoding="utf-8"?>
 <ct:contentTypeSchema xmlns:ct="http://schemas.microsoft.com/office/2006/metadata/contentType" xmlns:ma="http://schemas.microsoft.com/office/2006/metadata/properties/metaAttributes" ct:_="" ma:_="" ma:contentTypeName="Document" ma:contentTypeID="0x01010079F111ED35F8CC479449609E8A0923A6" ma:contentTypeVersion="11" ma:contentTypeDescription="Create a new document." ma:contentTypeScope="" ma:versionID="96291512c1ee715ab617f4c07df79fc1">
   <xsd:schema xmlns:xsd="http://www.w3.org/2001/XMLSchema" xmlns:xs="http://www.w3.org/2001/XMLSchema" xmlns:p="http://schemas.microsoft.com/office/2006/metadata/properties" xmlns:ns2="71af3243-3dd4-4a8d-8c0d-dd76da1f02a5" xmlns:ns3="16c05727-aa75-4e4a-9b5f-8a80a1165891" targetNamespace="http://schemas.microsoft.com/office/2006/metadata/properties" ma:root="true" ma:fieldsID="8256c27c40ca5c40ce1cf6c44f0205df" ns2:_="" ns3:_="">
     <xsd:import namespace="71af3243-3dd4-4a8d-8c0d-dd76da1f02a5"/>
@@ -15033,32 +15016,24 @@
 </ct:contentTypeSchema>
 </file>
 
-<file path=customXml/itemProps1.xml><?xml version="1.0" encoding="utf-8"?>
-<ds:datastoreItem xmlns:ds="http://schemas.openxmlformats.org/officeDocument/2006/customXml" ds:itemID="{03C7D9E6-B0D9-433E-BD46-EB60F64F4DA8}">
-  <ds:schemaRefs>
-    <ds:schemaRef ds:uri="http://www.w3.org/XML/1998/namespace"/>
-    <ds:schemaRef ds:uri="16c05727-aa75-4e4a-9b5f-8a80a1165891"/>
-    <ds:schemaRef ds:uri="http://purl.org/dc/terms/"/>
-    <ds:schemaRef ds:uri="http://schemas.openxmlformats.org/package/2006/metadata/core-properties"/>
-    <ds:schemaRef ds:uri="http://purl.org/dc/elements/1.1/"/>
-    <ds:schemaRef ds:uri="http://purl.org/dc/dcmitype/"/>
-    <ds:schemaRef ds:uri="http://schemas.microsoft.com/office/2006/documentManagement/types"/>
-    <ds:schemaRef ds:uri="http://schemas.microsoft.com/office/2006/metadata/properties"/>
-    <ds:schemaRef ds:uri="http://schemas.microsoft.com/office/infopath/2007/PartnerControls"/>
-    <ds:schemaRef ds:uri="71af3243-3dd4-4a8d-8c0d-dd76da1f02a5"/>
-  </ds:schemaRefs>
-</ds:datastoreItem>
+<file path=customXml/item2.xml><?xml version="1.0" encoding="utf-8"?>
+<?mso-contentType ?>
+<FormTemplates xmlns="http://schemas.microsoft.com/sharepoint/v3/contenttype/forms">
+  <Display>DocumentLibraryForm</Display>
+  <Edit>DocumentLibraryForm</Edit>
+  <New>DocumentLibraryForm</New>
+</FormTemplates>
 </file>
 
-<file path=customXml/itemProps2.xml><?xml version="1.0" encoding="utf-8"?>
-<ds:datastoreItem xmlns:ds="http://schemas.openxmlformats.org/officeDocument/2006/customXml" ds:itemID="{5CA875DA-F9FD-4F83-A049-3B1027B542DE}">
-  <ds:schemaRefs>
-    <ds:schemaRef ds:uri="http://schemas.microsoft.com/sharepoint/v3/contenttype/forms"/>
-  </ds:schemaRefs>
-</ds:datastoreItem>
+<file path=customXml/item3.xml><?xml version="1.0" encoding="utf-8"?>
+<p:properties xmlns:p="http://schemas.microsoft.com/office/2006/metadata/properties" xmlns:xsi="http://www.w3.org/2001/XMLSchema-instance" xmlns:pc="http://schemas.microsoft.com/office/infopath/2007/PartnerControls">
+  <documentManagement>
+    <MediaServiceKeyPoints xmlns="71af3243-3dd4-4a8d-8c0d-dd76da1f02a5" xsi:nil="true"/>
+  </documentManagement>
+</p:properties>
 </file>
 
-<file path=customXml/itemProps3.xml><?xml version="1.0" encoding="utf-8"?>
+<file path=customXml/itemProps1.xml><?xml version="1.0" encoding="utf-8"?>
 <ds:datastoreItem xmlns:ds="http://schemas.openxmlformats.org/officeDocument/2006/customXml" ds:itemID="{B2AB02E3-5ADF-4BF0-9C1B-35CDF3FE95B0}">
   <ds:schemaRefs>
     <ds:schemaRef ds:uri="http://schemas.microsoft.com/office/2006/metadata/contentType"/>
@@ -15075,4 +15050,29 @@
     <ds:schemaRef ds:uri="http://schemas.microsoft.com/internal/obd"/>
   </ds:schemaRefs>
 </ds:datastoreItem>
+</file>
+
+<file path=customXml/itemProps2.xml><?xml version="1.0" encoding="utf-8"?>
+<ds:datastoreItem xmlns:ds="http://schemas.openxmlformats.org/officeDocument/2006/customXml" ds:itemID="{5CA875DA-F9FD-4F83-A049-3B1027B542DE}">
+  <ds:schemaRefs>
+    <ds:schemaRef ds:uri="http://schemas.microsoft.com/sharepoint/v3/contenttype/forms"/>
+  </ds:schemaRefs>
+</ds:datastoreItem>
+</file>
+
+<file path=customXml/itemProps3.xml><?xml version="1.0" encoding="utf-8"?>
+<ds:datastoreItem xmlns:ds="http://schemas.openxmlformats.org/officeDocument/2006/customXml" ds:itemID="{03C7D9E6-B0D9-433E-BD46-EB60F64F4DA8}">
+  <ds:schemaRefs>
+    <ds:schemaRef ds:uri="http://purl.org/dc/terms/"/>
+    <ds:schemaRef ds:uri="http://schemas.openxmlformats.org/package/2006/metadata/core-properties"/>
+    <ds:schemaRef ds:uri="http://schemas.microsoft.com/office/2006/documentManagement/types"/>
+    <ds:schemaRef ds:uri="71af3243-3dd4-4a8d-8c0d-dd76da1f02a5"/>
+    <ds:schemaRef ds:uri="16c05727-aa75-4e4a-9b5f-8a80a1165891"/>
+    <ds:schemaRef ds:uri="http://purl.org/dc/elements/1.1/"/>
+    <ds:schemaRef ds:uri="http://www.w3.org/XML/1998/namespace"/>
+    <ds:schemaRef ds:uri="http://purl.org/dc/dcmitype/"/>
+    <ds:schemaRef ds:uri="http://schemas.microsoft.com/office/infopath/2007/PartnerControls"/>
+    <ds:schemaRef ds:uri="http://schemas.microsoft.com/office/2006/metadata/properties"/>
+  </ds:schemaRefs>
+</ds:datastoreItem>
 </file>